--- a/javabase1Jvm/src/main/java/com/javabase/jvm1runtime/runtimeDetail/1.初识JVM.pptx
+++ b/javabase1Jvm/src/main/java/com/javabase/jvm1runtime/runtimeDetail/1.初识JVM.pptx
@@ -9472,6 +9472,20 @@
               <a:rPr lang="en-US" altLang="zh-CN" dirty="0"/>
               <a:t> </a:t>
             </a:r>
+            <a:endParaRPr lang="en-US" altLang="zh-CN" dirty="0"/>
+          </a:p>
+          <a:p>
+            <a:pPr marL="1089025" lvl="2" indent="0">
+              <a:buNone/>
+            </a:pPr>
+            <a:r>
+              <a:rPr lang="en-US" altLang="zh-CN" dirty="0" smtClean="0"/>
+              <a:t>Java</a:t>
+            </a:r>
+            <a:r>
+              <a:rPr lang="zh-CN" altLang="en-US" dirty="0" smtClean="0"/>
+              <a:t>没有寄存器所有的数据都是通过栈来操作的</a:t>
+            </a:r>
             <a:endParaRPr lang="en-US" altLang="zh-CN" dirty="0" smtClean="0"/>
           </a:p>
           <a:p>
@@ -9649,6 +9663,32 @@
             <a:r>
               <a:rPr lang="zh-CN" altLang="en-US" dirty="0" smtClean="0"/>
               <a:t>弱引用</a:t>
+            </a:r>
+            <a:endParaRPr lang="zh-CN" altLang="en-US" dirty="0" smtClean="0"/>
+          </a:p>
+          <a:p>
+            <a:pPr marL="544830" lvl="1" indent="0">
+              <a:buNone/>
+            </a:pPr>
+            <a:r>
+              <a:rPr lang="zh-CN" altLang="en-US" dirty="0"/>
+              <a:t>这些功能都不是</a:t>
+            </a:r>
+            <a:r>
+              <a:rPr lang="en-US" altLang="zh-CN" dirty="0"/>
+              <a:t>java</a:t>
+            </a:r>
+            <a:r>
+              <a:rPr lang="zh-CN" altLang="en-US" dirty="0"/>
+              <a:t>语言写的，</a:t>
+            </a:r>
+            <a:r>
+              <a:rPr lang="en-US" altLang="zh-CN" dirty="0"/>
+              <a:t>java</a:t>
+            </a:r>
+            <a:r>
+              <a:rPr lang="zh-CN" altLang="en-US" dirty="0"/>
+              <a:t>本身没有办法实现，需要底层语言来实现</a:t>
             </a:r>
             <a:endParaRPr lang="zh-CN" altLang="en-US" dirty="0"/>
           </a:p>
